--- a/User Analytics in the Telecommunication Industry.pptx
+++ b/User Analytics in the Telecommunication Industry.pptx
@@ -19,11 +19,10 @@
     <p:sldId id="267" r:id="rId13"/>
     <p:sldId id="268" r:id="rId14"/>
     <p:sldId id="269" r:id="rId15"/>
-    <p:sldId id="270" r:id="rId16"/>
-    <p:sldId id="271" r:id="rId17"/>
-    <p:sldId id="272" r:id="rId18"/>
-    <p:sldId id="273" r:id="rId19"/>
-    <p:sldId id="274" r:id="rId20"/>
+    <p:sldId id="271" r:id="rId16"/>
+    <p:sldId id="272" r:id="rId17"/>
+    <p:sldId id="273" r:id="rId18"/>
+    <p:sldId id="274" r:id="rId19"/>
   </p:sldIdLst>
   <p:sldSz cx="9144000" cy="6858000" type="screen4x3"/>
   <p:notesSz cx="6858000" cy="9144000"/>
@@ -250,7 +249,7 @@
           <a:p>
             <a:fld id="{0FD36442-F1D8-4061-A02A-1ED453911CF9}" type="datetimeFigureOut">
               <a:rPr lang="en-GB" smtClean="0"/>
-              <a:t>20/06/2024</a:t>
+              <a:t>27/06/2024</a:t>
             </a:fld>
             <a:endParaRPr lang="en-GB"/>
           </a:p>
@@ -883,7 +882,7 @@
           <a:p>
             <a:fld id="{0FD36442-F1D8-4061-A02A-1ED453911CF9}" type="datetimeFigureOut">
               <a:rPr lang="en-GB" smtClean="0"/>
-              <a:t>20/06/2024</a:t>
+              <a:t>27/06/2024</a:t>
             </a:fld>
             <a:endParaRPr lang="en-GB"/>
           </a:p>
@@ -1160,7 +1159,7 @@
           <a:p>
             <a:fld id="{0FD36442-F1D8-4061-A02A-1ED453911CF9}" type="datetimeFigureOut">
               <a:rPr lang="en-GB" smtClean="0"/>
-              <a:t>20/06/2024</a:t>
+              <a:t>27/06/2024</a:t>
             </a:fld>
             <a:endParaRPr lang="en-GB"/>
           </a:p>
@@ -1325,7 +1324,7 @@
           <a:p>
             <a:fld id="{0FD36442-F1D8-4061-A02A-1ED453911CF9}" type="datetimeFigureOut">
               <a:rPr lang="en-GB" smtClean="0"/>
-              <a:t>20/06/2024</a:t>
+              <a:t>27/06/2024</a:t>
             </a:fld>
             <a:endParaRPr lang="en-GB"/>
           </a:p>
@@ -1506,7 +1505,7 @@
           <a:p>
             <a:fld id="{0FD36442-F1D8-4061-A02A-1ED453911CF9}" type="datetimeFigureOut">
               <a:rPr lang="en-GB" smtClean="0"/>
-              <a:t>20/06/2024</a:t>
+              <a:t>27/06/2024</a:t>
             </a:fld>
             <a:endParaRPr lang="en-GB"/>
           </a:p>
@@ -2151,7 +2150,7 @@
           <a:p>
             <a:fld id="{0FD36442-F1D8-4061-A02A-1ED453911CF9}" type="datetimeFigureOut">
               <a:rPr lang="en-GB" smtClean="0"/>
-              <a:t>20/06/2024</a:t>
+              <a:t>27/06/2024</a:t>
             </a:fld>
             <a:endParaRPr lang="en-GB"/>
           </a:p>
@@ -2577,7 +2576,7 @@
           <a:p>
             <a:fld id="{0FD36442-F1D8-4061-A02A-1ED453911CF9}" type="datetimeFigureOut">
               <a:rPr lang="en-GB" smtClean="0"/>
-              <a:t>20/06/2024</a:t>
+              <a:t>27/06/2024</a:t>
             </a:fld>
             <a:endParaRPr lang="en-GB"/>
           </a:p>
@@ -2690,7 +2689,7 @@
           <a:p>
             <a:fld id="{0FD36442-F1D8-4061-A02A-1ED453911CF9}" type="datetimeFigureOut">
               <a:rPr lang="en-GB" smtClean="0"/>
-              <a:t>20/06/2024</a:t>
+              <a:t>27/06/2024</a:t>
             </a:fld>
             <a:endParaRPr lang="en-GB"/>
           </a:p>
@@ -2871,7 +2870,7 @@
           <a:p>
             <a:fld id="{0FD36442-F1D8-4061-A02A-1ED453911CF9}" type="datetimeFigureOut">
               <a:rPr lang="en-GB" smtClean="0"/>
-              <a:t>20/06/2024</a:t>
+              <a:t>27/06/2024</a:t>
             </a:fld>
             <a:endParaRPr lang="en-GB"/>
           </a:p>
@@ -3137,7 +3136,7 @@
           <a:p>
             <a:fld id="{0FD36442-F1D8-4061-A02A-1ED453911CF9}" type="datetimeFigureOut">
               <a:rPr lang="en-GB" smtClean="0"/>
-              <a:t>20/06/2024</a:t>
+              <a:t>27/06/2024</a:t>
             </a:fld>
             <a:endParaRPr lang="en-GB"/>
           </a:p>
@@ -3607,7 +3606,7 @@
           <a:p>
             <a:fld id="{0FD36442-F1D8-4061-A02A-1ED453911CF9}" type="datetimeFigureOut">
               <a:rPr lang="en-GB" smtClean="0"/>
-              <a:t>20/06/2024</a:t>
+              <a:t>27/06/2024</a:t>
             </a:fld>
             <a:endParaRPr lang="en-GB"/>
           </a:p>
@@ -4167,7 +4166,7 @@
           <a:p>
             <a:fld id="{0FD36442-F1D8-4061-A02A-1ED453911CF9}" type="datetimeFigureOut">
               <a:rPr lang="en-GB" smtClean="0"/>
-              <a:t>20/06/2024</a:t>
+              <a:t>27/06/2024</a:t>
             </a:fld>
             <a:endParaRPr lang="en-GB"/>
           </a:p>
@@ -5366,6 +5365,26 @@
           <a:bodyPr/>
           <a:lstStyle/>
           <a:p>
+            <a:r>
+              <a:rPr lang="en-GB" dirty="0" smtClean="0"/>
+              <a:t>Not working due to error in python </a:t>
+            </a:r>
+          </a:p>
+          <a:p>
+            <a:r>
+              <a:rPr lang="en-GB" dirty="0" smtClean="0"/>
+              <a:t>Tried all </a:t>
+            </a:r>
+            <a:r>
+              <a:rPr lang="en-GB" dirty="0" smtClean="0"/>
+              <a:t>pip install but not solve </a:t>
+            </a:r>
+            <a:r>
+              <a:rPr lang="en-GB" smtClean="0"/>
+              <a:t>any error</a:t>
+            </a:r>
+          </a:p>
+          <a:p>
             <a:endParaRPr lang="en-GB"/>
           </a:p>
         </p:txBody>
@@ -5415,7 +5434,10 @@
           <a:bodyPr/>
           <a:lstStyle/>
           <a:p>
-            <a:endParaRPr lang="en-GB"/>
+            <a:r>
+              <a:rPr lang="en-GB" dirty="0"/>
+              <a:t>Dashboard Interpretations </a:t>
+            </a:r>
           </a:p>
         </p:txBody>
       </p:sp>
@@ -5431,17 +5453,67 @@
         </p:nvSpPr>
         <p:spPr/>
         <p:txBody>
-          <a:bodyPr/>
-          <a:lstStyle/>
-          <a:p>
-            <a:endParaRPr lang="en-GB"/>
+          <a:bodyPr>
+            <a:normAutofit fontScale="92500" lnSpcReduction="20000"/>
+          </a:bodyPr>
+          <a:lstStyle/>
+          <a:p>
+            <a:r>
+              <a:rPr lang="en-GB" dirty="0" smtClean="0"/>
+              <a:t>Data </a:t>
+            </a:r>
+            <a:r>
+              <a:rPr lang="en-GB" dirty="0"/>
+              <a:t>Usage Over Time: Shows trends in data consumption over the selected date range. Peaks may indicate periods of high activity or usage patterns. </a:t>
+            </a:r>
+            <a:endParaRPr lang="en-GB" dirty="0" smtClean="0"/>
+          </a:p>
+          <a:p>
+            <a:r>
+              <a:rPr lang="en-GB" dirty="0" smtClean="0"/>
+              <a:t>Application </a:t>
+            </a:r>
+            <a:r>
+              <a:rPr lang="en-GB" dirty="0"/>
+              <a:t>Data Consumption: Illustrates the proportion of data consumed by different applications. This can help identify which applications are most </a:t>
+            </a:r>
+            <a:r>
+              <a:rPr lang="en-GB" dirty="0" smtClean="0"/>
+              <a:t>data intensive</a:t>
+            </a:r>
+            <a:r>
+              <a:rPr lang="en-GB" dirty="0"/>
+              <a:t>. </a:t>
+            </a:r>
+            <a:endParaRPr lang="en-GB" dirty="0" smtClean="0"/>
+          </a:p>
+          <a:p>
+            <a:r>
+              <a:rPr lang="en-GB" dirty="0" smtClean="0"/>
+              <a:t>Top </a:t>
+            </a:r>
+            <a:r>
+              <a:rPr lang="en-GB" dirty="0"/>
+              <a:t>10 Users by Data Consumption: Highlights the users who consume the most data. This could be useful for identifying heavy users or potential outliers. </a:t>
+            </a:r>
+            <a:endParaRPr lang="en-GB" dirty="0" smtClean="0"/>
+          </a:p>
+          <a:p>
+            <a:r>
+              <a:rPr lang="en-GB" dirty="0" smtClean="0"/>
+              <a:t>Correlation Heat map </a:t>
+            </a:r>
+            <a:r>
+              <a:rPr lang="en-GB" dirty="0"/>
+              <a:t>of Numeric Features: Provides insights into the relationships between various numeric features. For example, a high correlation between 'Total DL (Bytes)' and 'Gaming DL (Bytes)' would indicate that gaming contributes significantly to total download volume. </a:t>
+            </a:r>
           </a:p>
         </p:txBody>
       </p:sp>
     </p:spTree>
     <p:extLst>
       <p:ext uri="{BB962C8B-B14F-4D97-AF65-F5344CB8AC3E}">
-        <p14:creationId xmlns:p14="http://schemas.microsoft.com/office/powerpoint/2010/main" val="2870649260"/>
+        <p14:creationId xmlns:p14="http://schemas.microsoft.com/office/powerpoint/2010/main" val="572445631"/>
       </p:ext>
     </p:extLst>
   </p:cSld>
@@ -5485,7 +5557,7 @@
           <a:p>
             <a:r>
               <a:rPr lang="en-GB" dirty="0"/>
-              <a:t>Dashboard Interpretations </a:t>
+              <a:t>Overall Recommendations </a:t>
             </a:r>
           </a:p>
         </p:txBody>
@@ -5508,53 +5580,50 @@
           <a:lstStyle/>
           <a:p>
             <a:r>
+              <a:rPr lang="en-GB" dirty="0"/>
+              <a:t>Based on the comprehensive analysis from all tasks, the recommendations for the company are as follows: </a:t>
+            </a:r>
+            <a:endParaRPr lang="en-GB" dirty="0" smtClean="0"/>
+          </a:p>
+          <a:p>
+            <a:pPr marL="114300" indent="0">
+              <a:buNone/>
+            </a:pPr>
+            <a:r>
               <a:rPr lang="en-GB" dirty="0" smtClean="0"/>
-              <a:t>Data </a:t>
+              <a:t> </a:t>
             </a:r>
             <a:r>
               <a:rPr lang="en-GB" dirty="0"/>
-              <a:t>Usage Over Time: Shows trends in data consumption over the selected date range. Peaks may indicate periods of high activity or usage patterns. </a:t>
+              <a:t>Invest in Customer Experience: Enhancements in customer service, user interface, and overall customer support can significantly improve satisfaction and engagement. </a:t>
             </a:r>
             <a:endParaRPr lang="en-GB" dirty="0" smtClean="0"/>
           </a:p>
           <a:p>
+            <a:pPr marL="114300" indent="0">
+              <a:buNone/>
+            </a:pPr>
             <a:r>
               <a:rPr lang="en-GB" dirty="0" smtClean="0"/>
-              <a:t>Application </a:t>
+              <a:t> </a:t>
             </a:r>
             <a:r>
               <a:rPr lang="en-GB" dirty="0"/>
-              <a:t>Data Consumption: Illustrates the proportion of data consumed by different applications. This can help identify which applications are most </a:t>
-            </a:r>
+              <a:t>Leverage Data for Targeted Strategies: Use insights from customer demographics, engagement patterns, and satisfaction levels to tailor marketing, product development, and customer service strategies. </a:t>
+            </a:r>
+            <a:endParaRPr lang="en-GB" dirty="0" smtClean="0"/>
+          </a:p>
+          <a:p>
+            <a:pPr marL="114300" indent="0">
+              <a:buNone/>
+            </a:pPr>
             <a:r>
               <a:rPr lang="en-GB" dirty="0" smtClean="0"/>
-              <a:t>data intensive</a:t>
+              <a:t> </a:t>
             </a:r>
             <a:r>
               <a:rPr lang="en-GB" dirty="0"/>
-              <a:t>. </a:t>
-            </a:r>
-            <a:endParaRPr lang="en-GB" dirty="0" smtClean="0"/>
-          </a:p>
-          <a:p>
-            <a:r>
-              <a:rPr lang="en-GB" dirty="0" smtClean="0"/>
-              <a:t>Top </a:t>
-            </a:r>
-            <a:r>
-              <a:rPr lang="en-GB" dirty="0"/>
-              <a:t>10 Users by Data Consumption: Highlights the users who consume the most data. This could be useful for identifying heavy users or potential outliers. </a:t>
-            </a:r>
-            <a:endParaRPr lang="en-GB" dirty="0" smtClean="0"/>
-          </a:p>
-          <a:p>
-            <a:r>
-              <a:rPr lang="en-GB" dirty="0" smtClean="0"/>
-              <a:t>Correlation Heat map </a:t>
-            </a:r>
-            <a:r>
-              <a:rPr lang="en-GB" dirty="0"/>
-              <a:t>of Numeric Features: Provides insights into the relationships between various numeric features. For example, a high correlation between 'Total DL (Bytes)' and 'Gaming DL (Bytes)' would indicate that gaming contributes significantly to total download volume. </a:t>
+              <a:t>Focus on High-Growth Potential Areas: Given the positive trends in engagement and satisfaction, there is a strong growth potential. Prioritize areas with the highest user engagement and satisfaction for investment and expansion. </a:t>
             </a:r>
           </a:p>
         </p:txBody>
@@ -5562,7 +5631,7 @@
     </p:spTree>
     <p:extLst>
       <p:ext uri="{BB962C8B-B14F-4D97-AF65-F5344CB8AC3E}">
-        <p14:creationId xmlns:p14="http://schemas.microsoft.com/office/powerpoint/2010/main" val="572445631"/>
+        <p14:creationId xmlns:p14="http://schemas.microsoft.com/office/powerpoint/2010/main" val="4129754147"/>
       </p:ext>
     </p:extLst>
   </p:cSld>
@@ -5601,124 +5670,6 @@
         </p:nvSpPr>
         <p:spPr/>
         <p:txBody>
-          <a:bodyPr/>
-          <a:lstStyle/>
-          <a:p>
-            <a:r>
-              <a:rPr lang="en-GB" dirty="0"/>
-              <a:t>Overall Recommendations </a:t>
-            </a:r>
-          </a:p>
-        </p:txBody>
-      </p:sp>
-      <p:sp>
-        <p:nvSpPr>
-          <p:cNvPr id="3" name="Content Placeholder 2"/>
-          <p:cNvSpPr>
-            <a:spLocks noGrp="1"/>
-          </p:cNvSpPr>
-          <p:nvPr>
-            <p:ph idx="1"/>
-          </p:nvPr>
-        </p:nvSpPr>
-        <p:spPr/>
-        <p:txBody>
-          <a:bodyPr>
-            <a:normAutofit fontScale="92500" lnSpcReduction="20000"/>
-          </a:bodyPr>
-          <a:lstStyle/>
-          <a:p>
-            <a:r>
-              <a:rPr lang="en-GB" dirty="0"/>
-              <a:t>Based on the comprehensive analysis from all tasks, the recommendations for the company are as follows: </a:t>
-            </a:r>
-            <a:endParaRPr lang="en-GB" dirty="0" smtClean="0"/>
-          </a:p>
-          <a:p>
-            <a:pPr marL="114300" indent="0">
-              <a:buNone/>
-            </a:pPr>
-            <a:r>
-              <a:rPr lang="en-GB" dirty="0" smtClean="0"/>
-              <a:t> </a:t>
-            </a:r>
-            <a:r>
-              <a:rPr lang="en-GB" dirty="0"/>
-              <a:t>Invest in Customer Experience: Enhancements in customer service, user interface, and overall customer support can significantly improve satisfaction and engagement. </a:t>
-            </a:r>
-            <a:endParaRPr lang="en-GB" dirty="0" smtClean="0"/>
-          </a:p>
-          <a:p>
-            <a:pPr marL="114300" indent="0">
-              <a:buNone/>
-            </a:pPr>
-            <a:r>
-              <a:rPr lang="en-GB" dirty="0" smtClean="0"/>
-              <a:t> </a:t>
-            </a:r>
-            <a:r>
-              <a:rPr lang="en-GB" dirty="0"/>
-              <a:t>Leverage Data for Targeted Strategies: Use insights from customer demographics, engagement patterns, and satisfaction levels to tailor marketing, product development, and customer service strategies. </a:t>
-            </a:r>
-            <a:endParaRPr lang="en-GB" dirty="0" smtClean="0"/>
-          </a:p>
-          <a:p>
-            <a:pPr marL="114300" indent="0">
-              <a:buNone/>
-            </a:pPr>
-            <a:r>
-              <a:rPr lang="en-GB" dirty="0" smtClean="0"/>
-              <a:t> </a:t>
-            </a:r>
-            <a:r>
-              <a:rPr lang="en-GB" dirty="0"/>
-              <a:t>Focus on High-Growth Potential Areas: Given the positive trends in engagement and satisfaction, there is a strong growth potential. Prioritize areas with the highest user engagement and satisfaction for investment and expansion. </a:t>
-            </a:r>
-          </a:p>
-        </p:txBody>
-      </p:sp>
-    </p:spTree>
-    <p:extLst>
-      <p:ext uri="{BB962C8B-B14F-4D97-AF65-F5344CB8AC3E}">
-        <p14:creationId xmlns:p14="http://schemas.microsoft.com/office/powerpoint/2010/main" val="4129754147"/>
-      </p:ext>
-    </p:extLst>
-  </p:cSld>
-  <p:clrMapOvr>
-    <a:masterClrMapping/>
-  </p:clrMapOvr>
-</p:sld>
-</file>
-
-<file path=ppt/slides/slide18.xml><?xml version="1.0" encoding="utf-8"?>
-<p:sld xmlns:a="http://schemas.openxmlformats.org/drawingml/2006/main" xmlns:r="http://schemas.openxmlformats.org/officeDocument/2006/relationships" xmlns:p="http://schemas.openxmlformats.org/presentationml/2006/main">
-  <p:cSld>
-    <p:spTree>
-      <p:nvGrpSpPr>
-        <p:cNvPr id="1" name=""/>
-        <p:cNvGrpSpPr/>
-        <p:nvPr/>
-      </p:nvGrpSpPr>
-      <p:grpSpPr>
-        <a:xfrm>
-          <a:off x="0" y="0"/>
-          <a:ext cx="0" cy="0"/>
-          <a:chOff x="0" y="0"/>
-          <a:chExt cx="0" cy="0"/>
-        </a:xfrm>
-      </p:grpSpPr>
-      <p:sp>
-        <p:nvSpPr>
-          <p:cNvPr id="2" name="Title 1"/>
-          <p:cNvSpPr>
-            <a:spLocks noGrp="1"/>
-          </p:cNvSpPr>
-          <p:nvPr>
-            <p:ph type="title"/>
-          </p:nvPr>
-        </p:nvSpPr>
-        <p:spPr/>
-        <p:txBody>
           <a:bodyPr>
             <a:normAutofit fontScale="90000"/>
           </a:bodyPr>
@@ -5776,7 +5727,7 @@
 </p:sld>
 </file>
 
-<file path=ppt/slides/slide19.xml><?xml version="1.0" encoding="utf-8"?>
+<file path=ppt/slides/slide18.xml><?xml version="1.0" encoding="utf-8"?>
 <p:sld xmlns:a="http://schemas.openxmlformats.org/drawingml/2006/main" xmlns:r="http://schemas.openxmlformats.org/officeDocument/2006/relationships" xmlns:p="http://schemas.openxmlformats.org/presentationml/2006/main">
   <p:cSld>
     <p:spTree>
